--- a/6、第六次课/2、软件安装.pptx
+++ b/6、第六次课/2、软件安装.pptx
@@ -37,6 +37,8 @@
     <p:sldId id="290" r:id="rId31"/>
     <p:sldId id="291" r:id="rId32"/>
     <p:sldId id="289" r:id="rId33"/>
+    <p:sldId id="292" r:id="rId34"/>
+    <p:sldId id="293" r:id="rId35"/>
   </p:sldIdLst>
   <p:sldSz cx="12192000" cy="6858000"/>
   <p:notesSz cx="6858000" cy="9144000"/>
@@ -180,9 +182,14 @@
             <p14:sldId id="290"/>
             <p14:sldId id="291"/>
             <p14:sldId id="289"/>
+            <p14:sldId id="292"/>
+            <p14:sldId id="293"/>
           </p14:sldIdLst>
         </p14:section>
       </p14:sectionLst>
+    </p:ext>
+    <p:ext uri="{EFAFB233-063F-42B5-8137-9DF3F51BA10A}">
+      <p15:sldGuideLst xmlns:p15="http://schemas.microsoft.com/office/powerpoint/2012/main"/>
     </p:ext>
   </p:extLst>
 </p:presentation>
@@ -2851,7 +2858,7 @@
           <a:p>
             <a:fld id="{AC30C75E-358D-4736-B414-0C2855277775}" type="datetimeFigureOut">
               <a:rPr lang="zh-CN" altLang="en-US" smtClean="0"/>
-              <a:t>2019/5/11</a:t>
+              <a:t>2019/5/18</a:t>
             </a:fld>
             <a:endParaRPr lang="zh-CN" altLang="en-US"/>
           </a:p>
@@ -3049,7 +3056,7 @@
           <a:p>
             <a:fld id="{AC30C75E-358D-4736-B414-0C2855277775}" type="datetimeFigureOut">
               <a:rPr lang="zh-CN" altLang="en-US" smtClean="0"/>
-              <a:t>2019/5/11</a:t>
+              <a:t>2019/5/18</a:t>
             </a:fld>
             <a:endParaRPr lang="zh-CN" altLang="en-US"/>
           </a:p>
@@ -3257,7 +3264,7 @@
           <a:p>
             <a:fld id="{AC30C75E-358D-4736-B414-0C2855277775}" type="datetimeFigureOut">
               <a:rPr lang="zh-CN" altLang="en-US" smtClean="0"/>
-              <a:t>2019/5/11</a:t>
+              <a:t>2019/5/18</a:t>
             </a:fld>
             <a:endParaRPr lang="zh-CN" altLang="en-US"/>
           </a:p>
@@ -3455,7 +3462,7 @@
           <a:p>
             <a:fld id="{AC30C75E-358D-4736-B414-0C2855277775}" type="datetimeFigureOut">
               <a:rPr lang="zh-CN" altLang="en-US" smtClean="0"/>
-              <a:t>2019/5/11</a:t>
+              <a:t>2019/5/18</a:t>
             </a:fld>
             <a:endParaRPr lang="zh-CN" altLang="en-US"/>
           </a:p>
@@ -3730,7 +3737,7 @@
           <a:p>
             <a:fld id="{AC30C75E-358D-4736-B414-0C2855277775}" type="datetimeFigureOut">
               <a:rPr lang="zh-CN" altLang="en-US" smtClean="0"/>
-              <a:t>2019/5/11</a:t>
+              <a:t>2019/5/18</a:t>
             </a:fld>
             <a:endParaRPr lang="zh-CN" altLang="en-US"/>
           </a:p>
@@ -3995,7 +4002,7 @@
           <a:p>
             <a:fld id="{AC30C75E-358D-4736-B414-0C2855277775}" type="datetimeFigureOut">
               <a:rPr lang="zh-CN" altLang="en-US" smtClean="0"/>
-              <a:t>2019/5/11</a:t>
+              <a:t>2019/5/18</a:t>
             </a:fld>
             <a:endParaRPr lang="zh-CN" altLang="en-US"/>
           </a:p>
@@ -4407,7 +4414,7 @@
           <a:p>
             <a:fld id="{AC30C75E-358D-4736-B414-0C2855277775}" type="datetimeFigureOut">
               <a:rPr lang="zh-CN" altLang="en-US" smtClean="0"/>
-              <a:t>2019/5/11</a:t>
+              <a:t>2019/5/18</a:t>
             </a:fld>
             <a:endParaRPr lang="zh-CN" altLang="en-US"/>
           </a:p>
@@ -4548,7 +4555,7 @@
           <a:p>
             <a:fld id="{AC30C75E-358D-4736-B414-0C2855277775}" type="datetimeFigureOut">
               <a:rPr lang="zh-CN" altLang="en-US" smtClean="0"/>
-              <a:t>2019/5/11</a:t>
+              <a:t>2019/5/18</a:t>
             </a:fld>
             <a:endParaRPr lang="zh-CN" altLang="en-US"/>
           </a:p>
@@ -4661,7 +4668,7 @@
           <a:p>
             <a:fld id="{AC30C75E-358D-4736-B414-0C2855277775}" type="datetimeFigureOut">
               <a:rPr lang="zh-CN" altLang="en-US" smtClean="0"/>
-              <a:t>2019/5/11</a:t>
+              <a:t>2019/5/18</a:t>
             </a:fld>
             <a:endParaRPr lang="zh-CN" altLang="en-US"/>
           </a:p>
@@ -4972,7 +4979,7 @@
           <a:p>
             <a:fld id="{AC30C75E-358D-4736-B414-0C2855277775}" type="datetimeFigureOut">
               <a:rPr lang="zh-CN" altLang="en-US" smtClean="0"/>
-              <a:t>2019/5/11</a:t>
+              <a:t>2019/5/18</a:t>
             </a:fld>
             <a:endParaRPr lang="zh-CN" altLang="en-US"/>
           </a:p>
@@ -5260,7 +5267,7 @@
           <a:p>
             <a:fld id="{AC30C75E-358D-4736-B414-0C2855277775}" type="datetimeFigureOut">
               <a:rPr lang="zh-CN" altLang="en-US" smtClean="0"/>
-              <a:t>2019/5/11</a:t>
+              <a:t>2019/5/18</a:t>
             </a:fld>
             <a:endParaRPr lang="zh-CN" altLang="en-US"/>
           </a:p>
@@ -5501,7 +5508,7 @@
           <a:p>
             <a:fld id="{AC30C75E-358D-4736-B414-0C2855277775}" type="datetimeFigureOut">
               <a:rPr lang="zh-CN" altLang="en-US" smtClean="0"/>
-              <a:t>2019/5/11</a:t>
+              <a:t>2019/5/18</a:t>
             </a:fld>
             <a:endParaRPr lang="zh-CN" altLang="en-US"/>
           </a:p>
@@ -8423,14 +8430,7 @@
           <a:bodyPr/>
           <a:lstStyle/>
           <a:p>
-            <a:r>
-              <a:rPr lang="en-US" altLang="zh-CN" dirty="0"/>
-              <a:t>RPM</a:t>
-            </a:r>
-            <a:r>
-              <a:rPr lang="zh-CN" altLang="en-US" dirty="0"/>
-              <a:t>包、源码包默认安装路径</a:t>
-            </a:r>
+            <a:endParaRPr lang="zh-CN" altLang="en-US" dirty="0"/>
           </a:p>
         </p:txBody>
       </p:sp>
@@ -8460,201 +8460,6 @@
             <a:pPr marL="0" indent="0">
               <a:buNone/>
             </a:pPr>
-            <a:r>
-              <a:rPr lang="en-US" altLang="zh-CN" sz="1800" dirty="0">
-                <a:latin typeface="Times New Roman" panose="02020603050405020304" pitchFamily="18" charset="0"/>
-                <a:ea typeface="宋体" panose="02010600030101010101" pitchFamily="2" charset="-122"/>
-              </a:rPr>
-              <a:t>RPM</a:t>
-            </a:r>
-            <a:r>
-              <a:rPr lang="zh-CN" altLang="en-US" sz="1800" dirty="0">
-                <a:latin typeface="Times New Roman" panose="02020603050405020304" pitchFamily="18" charset="0"/>
-                <a:ea typeface="宋体" panose="02010600030101010101" pitchFamily="2" charset="-122"/>
-              </a:rPr>
-              <a:t>包</a:t>
-            </a:r>
-            <a:endParaRPr lang="en-US" altLang="zh-CN" sz="1800" dirty="0">
-              <a:latin typeface="Times New Roman" panose="02020603050405020304" pitchFamily="18" charset="0"/>
-              <a:ea typeface="宋体" panose="02010600030101010101" pitchFamily="2" charset="-122"/>
-            </a:endParaRPr>
-          </a:p>
-          <a:p>
-            <a:pPr marL="457200" lvl="1" indent="0" fontAlgn="t">
-              <a:buNone/>
-            </a:pPr>
-            <a:r>
-              <a:rPr lang="en-US" altLang="zh-CN" sz="1800" dirty="0">
-                <a:latin typeface="Times New Roman" panose="02020603050405020304" pitchFamily="18" charset="0"/>
-                <a:ea typeface="宋体" panose="02010600030101010101" pitchFamily="2" charset="-122"/>
-              </a:rPr>
-              <a:t>/etc/                        </a:t>
-            </a:r>
-            <a:r>
-              <a:rPr lang="zh-CN" altLang="zh-CN" sz="1800" dirty="0">
-                <a:latin typeface="Times New Roman" panose="02020603050405020304" pitchFamily="18" charset="0"/>
-                <a:ea typeface="宋体" panose="02010600030101010101" pitchFamily="2" charset="-122"/>
-              </a:rPr>
-              <a:t>配置文件安装目录</a:t>
-            </a:r>
-          </a:p>
-          <a:p>
-            <a:pPr marL="457200" lvl="1" indent="0" fontAlgn="t">
-              <a:buNone/>
-            </a:pPr>
-            <a:r>
-              <a:rPr lang="en-US" altLang="zh-CN" sz="1800" dirty="0">
-                <a:latin typeface="Times New Roman" panose="02020603050405020304" pitchFamily="18" charset="0"/>
-                <a:ea typeface="宋体" panose="02010600030101010101" pitchFamily="2" charset="-122"/>
-              </a:rPr>
-              <a:t>/usr/bin/                  </a:t>
-            </a:r>
-            <a:r>
-              <a:rPr lang="zh-CN" altLang="zh-CN" sz="1800" dirty="0">
-                <a:latin typeface="Times New Roman" panose="02020603050405020304" pitchFamily="18" charset="0"/>
-                <a:ea typeface="宋体" panose="02010600030101010101" pitchFamily="2" charset="-122"/>
-              </a:rPr>
-              <a:t>可执行的命令安装目录</a:t>
-            </a:r>
-          </a:p>
-          <a:p>
-            <a:pPr marL="457200" lvl="1" indent="0" fontAlgn="t">
-              <a:buNone/>
-            </a:pPr>
-            <a:r>
-              <a:rPr lang="en-US" altLang="zh-CN" sz="1800" dirty="0">
-                <a:latin typeface="Times New Roman" panose="02020603050405020304" pitchFamily="18" charset="0"/>
-                <a:ea typeface="宋体" panose="02010600030101010101" pitchFamily="2" charset="-122"/>
-              </a:rPr>
-              <a:t>/usr/lib/                   </a:t>
-            </a:r>
-            <a:r>
-              <a:rPr lang="zh-CN" altLang="zh-CN" sz="1800" dirty="0">
-                <a:latin typeface="Times New Roman" panose="02020603050405020304" pitchFamily="18" charset="0"/>
-                <a:ea typeface="宋体" panose="02010600030101010101" pitchFamily="2" charset="-122"/>
-              </a:rPr>
-              <a:t>程序所使用的函数库保存位置</a:t>
-            </a:r>
-          </a:p>
-          <a:p>
-            <a:pPr marL="457200" lvl="1" indent="0" fontAlgn="t">
-              <a:buNone/>
-            </a:pPr>
-            <a:r>
-              <a:rPr lang="en-US" altLang="zh-CN" sz="1800" dirty="0">
-                <a:latin typeface="Times New Roman" panose="02020603050405020304" pitchFamily="18" charset="0"/>
-                <a:ea typeface="宋体" panose="02010600030101010101" pitchFamily="2" charset="-122"/>
-              </a:rPr>
-              <a:t>/usr/share/doc/       </a:t>
-            </a:r>
-            <a:r>
-              <a:rPr lang="zh-CN" altLang="zh-CN" sz="1800" dirty="0">
-                <a:latin typeface="Times New Roman" panose="02020603050405020304" pitchFamily="18" charset="0"/>
-                <a:ea typeface="宋体" panose="02010600030101010101" pitchFamily="2" charset="-122"/>
-              </a:rPr>
-              <a:t>基本的软件使用手册保存位置</a:t>
-            </a:r>
-          </a:p>
-          <a:p>
-            <a:pPr marL="457200" lvl="1" indent="0" fontAlgn="t">
-              <a:buNone/>
-            </a:pPr>
-            <a:r>
-              <a:rPr lang="en-US" altLang="zh-CN" sz="1800" dirty="0">
-                <a:latin typeface="Times New Roman" panose="02020603050405020304" pitchFamily="18" charset="0"/>
-                <a:ea typeface="宋体" panose="02010600030101010101" pitchFamily="2" charset="-122"/>
-              </a:rPr>
-              <a:t>/usr/share/man/      </a:t>
-            </a:r>
-            <a:r>
-              <a:rPr lang="zh-CN" altLang="zh-CN" sz="1800" dirty="0">
-                <a:latin typeface="Times New Roman" panose="02020603050405020304" pitchFamily="18" charset="0"/>
-                <a:ea typeface="宋体" panose="02010600030101010101" pitchFamily="2" charset="-122"/>
-              </a:rPr>
-              <a:t>帮助文件保存位置</a:t>
-            </a:r>
-            <a:endParaRPr lang="en-US" altLang="zh-CN" sz="1800" dirty="0">
-              <a:latin typeface="Times New Roman" panose="02020603050405020304" pitchFamily="18" charset="0"/>
-              <a:ea typeface="宋体" panose="02010600030101010101" pitchFamily="2" charset="-122"/>
-            </a:endParaRPr>
-          </a:p>
-          <a:p>
-            <a:pPr marL="457200" lvl="1" indent="0" fontAlgn="t">
-              <a:buNone/>
-            </a:pPr>
-            <a:endParaRPr lang="en-US" altLang="zh-CN" sz="1800" dirty="0">
-              <a:latin typeface="Times New Roman" panose="02020603050405020304" pitchFamily="18" charset="0"/>
-              <a:ea typeface="宋体" panose="02010600030101010101" pitchFamily="2" charset="-122"/>
-            </a:endParaRPr>
-          </a:p>
-          <a:p>
-            <a:pPr marL="0" lvl="1" indent="0" fontAlgn="t">
-              <a:buNone/>
-            </a:pPr>
-            <a:r>
-              <a:rPr lang="zh-CN" altLang="en-US" sz="1800" dirty="0">
-                <a:latin typeface="Times New Roman" panose="02020603050405020304" pitchFamily="18" charset="0"/>
-                <a:ea typeface="宋体" panose="02010600030101010101" pitchFamily="2" charset="-122"/>
-              </a:rPr>
-              <a:t>源码包</a:t>
-            </a:r>
-            <a:endParaRPr lang="en-US" altLang="zh-CN" sz="1800" dirty="0">
-              <a:latin typeface="Times New Roman" panose="02020603050405020304" pitchFamily="18" charset="0"/>
-              <a:ea typeface="宋体" panose="02010600030101010101" pitchFamily="2" charset="-122"/>
-            </a:endParaRPr>
-          </a:p>
-          <a:p>
-            <a:pPr marL="457200" lvl="1" indent="0" fontAlgn="t">
-              <a:buNone/>
-            </a:pPr>
-            <a:r>
-              <a:rPr lang="zh-CN" altLang="zh-CN" sz="1800" dirty="0">
-                <a:latin typeface="Times New Roman" panose="02020603050405020304" pitchFamily="18" charset="0"/>
-                <a:ea typeface="宋体" panose="02010600030101010101" pitchFamily="2" charset="-122"/>
-              </a:rPr>
-              <a:t>/usr/local/软件名/</a:t>
-            </a:r>
-            <a:endParaRPr lang="en-US" altLang="zh-CN" sz="1800" dirty="0">
-              <a:latin typeface="Times New Roman" panose="02020603050405020304" pitchFamily="18" charset="0"/>
-              <a:ea typeface="宋体" panose="02010600030101010101" pitchFamily="2" charset="-122"/>
-            </a:endParaRPr>
-          </a:p>
-          <a:p>
-            <a:pPr marL="457200" lvl="1" indent="0" fontAlgn="t">
-              <a:buNone/>
-            </a:pPr>
-            <a:endParaRPr lang="en-US" altLang="zh-CN" sz="1800" dirty="0">
-              <a:latin typeface="Times New Roman" panose="02020603050405020304" pitchFamily="18" charset="0"/>
-              <a:ea typeface="宋体" panose="02010600030101010101" pitchFamily="2" charset="-122"/>
-            </a:endParaRPr>
-          </a:p>
-          <a:p>
-            <a:pPr marL="0" lvl="1" indent="0" fontAlgn="t">
-              <a:lnSpc>
-                <a:spcPct val="100000"/>
-              </a:lnSpc>
-              <a:buNone/>
-            </a:pPr>
-            <a:r>
-              <a:rPr lang="zh-CN" altLang="zh-CN" sz="1800" dirty="0">
-                <a:solidFill>
-                  <a:srgbClr val="000000"/>
-                </a:solidFill>
-                <a:latin typeface="Times New Roman" panose="02020603050405020304" pitchFamily="18" charset="0"/>
-                <a:ea typeface="宋体" panose="02010600030101010101" pitchFamily="2" charset="-122"/>
-              </a:rPr>
-              <a:t>源码包一定要指定安装目录</a:t>
-            </a:r>
-            <a:r>
-              <a:rPr lang="zh-CN" altLang="en-US" sz="1800" dirty="0">
-                <a:solidFill>
-                  <a:srgbClr val="000000"/>
-                </a:solidFill>
-                <a:latin typeface="Times New Roman" panose="02020603050405020304" pitchFamily="18" charset="0"/>
-                <a:ea typeface="宋体" panose="02010600030101010101" pitchFamily="2" charset="-122"/>
-              </a:rPr>
-              <a:t>。</a:t>
-            </a:r>
             <a:endParaRPr lang="zh-CN" altLang="en-US" dirty="0"/>
           </a:p>
         </p:txBody>
@@ -11106,6 +10911,309 @@
     <p:extLst>
       <p:ext uri="{BB962C8B-B14F-4D97-AF65-F5344CB8AC3E}">
         <p14:creationId xmlns:p14="http://schemas.microsoft.com/office/powerpoint/2010/main" val="3068850035"/>
+      </p:ext>
+    </p:extLst>
+  </p:cSld>
+  <p:clrMapOvr>
+    <a:masterClrMapping/>
+  </p:clrMapOvr>
+</p:sld>
+</file>
+
+<file path=ppt/slides/slide33.xml><?xml version="1.0" encoding="utf-8"?>
+<p:sld xmlns:a="http://schemas.openxmlformats.org/drawingml/2006/main" xmlns:r="http://schemas.openxmlformats.org/officeDocument/2006/relationships" xmlns:p="http://schemas.openxmlformats.org/presentationml/2006/main">
+  <p:cSld>
+    <p:spTree>
+      <p:nvGrpSpPr>
+        <p:cNvPr id="1" name=""/>
+        <p:cNvGrpSpPr/>
+        <p:nvPr/>
+      </p:nvGrpSpPr>
+      <p:grpSpPr>
+        <a:xfrm>
+          <a:off x="0" y="0"/>
+          <a:ext cx="0" cy="0"/>
+          <a:chOff x="0" y="0"/>
+          <a:chExt cx="0" cy="0"/>
+        </a:xfrm>
+      </p:grpSpPr>
+      <p:sp>
+        <p:nvSpPr>
+          <p:cNvPr id="2" name="标题 1">
+            <a:extLst>
+              <a:ext uri="{FF2B5EF4-FFF2-40B4-BE49-F238E27FC236}">
+                <a16:creationId xmlns:a16="http://schemas.microsoft.com/office/drawing/2014/main" id="{C01D8C3E-4209-405C-8237-2597123E1BD4}"/>
+              </a:ext>
+            </a:extLst>
+          </p:cNvPr>
+          <p:cNvSpPr>
+            <a:spLocks noGrp="1"/>
+          </p:cNvSpPr>
+          <p:nvPr>
+            <p:ph type="title"/>
+          </p:nvPr>
+        </p:nvSpPr>
+        <p:spPr/>
+        <p:txBody>
+          <a:bodyPr/>
+          <a:lstStyle/>
+          <a:p>
+            <a:r>
+              <a:rPr lang="en-US" altLang="zh-CN" dirty="0"/>
+              <a:t>LNMP</a:t>
+            </a:r>
+            <a:r>
+              <a:rPr lang="zh-CN" altLang="en-US" dirty="0"/>
+              <a:t>环境安装</a:t>
+            </a:r>
+          </a:p>
+        </p:txBody>
+      </p:sp>
+      <p:sp>
+        <p:nvSpPr>
+          <p:cNvPr id="3" name="内容占位符 2">
+            <a:extLst>
+              <a:ext uri="{FF2B5EF4-FFF2-40B4-BE49-F238E27FC236}">
+                <a16:creationId xmlns:a16="http://schemas.microsoft.com/office/drawing/2014/main" id="{5ABD1433-BFB1-42D0-B4FF-9CDFF6360C68}"/>
+              </a:ext>
+            </a:extLst>
+          </p:cNvPr>
+          <p:cNvSpPr>
+            <a:spLocks noGrp="1"/>
+          </p:cNvSpPr>
+          <p:nvPr>
+            <p:ph idx="1"/>
+          </p:nvPr>
+        </p:nvSpPr>
+        <p:spPr/>
+        <p:txBody>
+          <a:bodyPr/>
+          <a:lstStyle/>
+          <a:p>
+            <a:pPr marL="0" indent="0">
+              <a:buNone/>
+            </a:pPr>
+            <a:r>
+              <a:rPr lang="zh-CN" altLang="en-US" dirty="0"/>
+              <a:t>一、</a:t>
+            </a:r>
+            <a:r>
+              <a:rPr lang="en-US" altLang="zh-CN" dirty="0"/>
+              <a:t>LNMP</a:t>
+            </a:r>
+            <a:r>
+              <a:rPr lang="zh-CN" altLang="en-US" dirty="0"/>
+              <a:t>一键安装</a:t>
+            </a:r>
+            <a:endParaRPr lang="en-US" altLang="zh-CN" dirty="0"/>
+          </a:p>
+          <a:p>
+            <a:pPr marL="0" indent="0">
+              <a:buNone/>
+            </a:pPr>
+            <a:r>
+              <a:rPr lang="zh-CN" altLang="en-US" dirty="0"/>
+              <a:t>二、参考脚本安装</a:t>
+            </a:r>
+            <a:endParaRPr lang="en-US" altLang="zh-CN" dirty="0"/>
+          </a:p>
+          <a:p>
+            <a:pPr marL="0" indent="0">
+              <a:buNone/>
+            </a:pPr>
+            <a:r>
+              <a:rPr lang="zh-CN" altLang="en-US" dirty="0"/>
+              <a:t>三、使用</a:t>
+            </a:r>
+            <a:r>
+              <a:rPr lang="en-US" altLang="zh-CN" dirty="0"/>
+              <a:t>yum</a:t>
+            </a:r>
+            <a:r>
+              <a:rPr lang="zh-CN" altLang="en-US" dirty="0"/>
+              <a:t>安装</a:t>
+            </a:r>
+          </a:p>
+        </p:txBody>
+      </p:sp>
+    </p:spTree>
+    <p:extLst>
+      <p:ext uri="{BB962C8B-B14F-4D97-AF65-F5344CB8AC3E}">
+        <p14:creationId xmlns:p14="http://schemas.microsoft.com/office/powerpoint/2010/main" val="3652838514"/>
+      </p:ext>
+    </p:extLst>
+  </p:cSld>
+  <p:clrMapOvr>
+    <a:masterClrMapping/>
+  </p:clrMapOvr>
+</p:sld>
+</file>
+
+<file path=ppt/slides/slide34.xml><?xml version="1.0" encoding="utf-8"?>
+<p:sld xmlns:a="http://schemas.openxmlformats.org/drawingml/2006/main" xmlns:r="http://schemas.openxmlformats.org/officeDocument/2006/relationships" xmlns:p="http://schemas.openxmlformats.org/presentationml/2006/main">
+  <p:cSld>
+    <p:spTree>
+      <p:nvGrpSpPr>
+        <p:cNvPr id="1" name=""/>
+        <p:cNvGrpSpPr/>
+        <p:nvPr/>
+      </p:nvGrpSpPr>
+      <p:grpSpPr>
+        <a:xfrm>
+          <a:off x="0" y="0"/>
+          <a:ext cx="0" cy="0"/>
+          <a:chOff x="0" y="0"/>
+          <a:chExt cx="0" cy="0"/>
+        </a:xfrm>
+      </p:grpSpPr>
+      <p:sp>
+        <p:nvSpPr>
+          <p:cNvPr id="2" name="标题 1">
+            <a:extLst>
+              <a:ext uri="{FF2B5EF4-FFF2-40B4-BE49-F238E27FC236}">
+                <a16:creationId xmlns:a16="http://schemas.microsoft.com/office/drawing/2014/main" id="{7CEE33AE-5174-436C-B9A7-13965FA17BB0}"/>
+              </a:ext>
+            </a:extLst>
+          </p:cNvPr>
+          <p:cNvSpPr>
+            <a:spLocks noGrp="1"/>
+          </p:cNvSpPr>
+          <p:nvPr>
+            <p:ph type="title"/>
+          </p:nvPr>
+        </p:nvSpPr>
+        <p:spPr/>
+        <p:txBody>
+          <a:bodyPr/>
+          <a:lstStyle/>
+          <a:p>
+            <a:r>
+              <a:rPr lang="zh-CN" altLang="en-US" dirty="0"/>
+              <a:t>内核更新</a:t>
+            </a:r>
+          </a:p>
+        </p:txBody>
+      </p:sp>
+      <p:sp>
+        <p:nvSpPr>
+          <p:cNvPr id="3" name="内容占位符 2">
+            <a:extLst>
+              <a:ext uri="{FF2B5EF4-FFF2-40B4-BE49-F238E27FC236}">
+                <a16:creationId xmlns:a16="http://schemas.microsoft.com/office/drawing/2014/main" id="{130B4838-BB91-4464-A39B-C263A7D5BD42}"/>
+              </a:ext>
+            </a:extLst>
+          </p:cNvPr>
+          <p:cNvSpPr>
+            <a:spLocks noGrp="1"/>
+          </p:cNvSpPr>
+          <p:nvPr>
+            <p:ph idx="1"/>
+          </p:nvPr>
+        </p:nvSpPr>
+        <p:spPr/>
+        <p:txBody>
+          <a:bodyPr>
+            <a:normAutofit fontScale="92500" lnSpcReduction="20000"/>
+          </a:bodyPr>
+          <a:lstStyle/>
+          <a:p>
+            <a:pPr marL="0" indent="0">
+              <a:buNone/>
+            </a:pPr>
+            <a:r>
+              <a:rPr lang="zh-CN" altLang="zh-CN" dirty="0"/>
+              <a:t># 载入公钥</a:t>
+            </a:r>
+          </a:p>
+          <a:p>
+            <a:pPr marL="0" indent="0">
+              <a:buNone/>
+            </a:pPr>
+            <a:r>
+              <a:rPr lang="zh-CN" altLang="zh-CN" dirty="0"/>
+              <a:t>[root@test ~]# rpm --import </a:t>
+            </a:r>
+            <a:r>
+              <a:rPr lang="zh-CN" altLang="zh-CN" dirty="0">
+                <a:hlinkClick r:id="rId2"/>
+              </a:rPr>
+              <a:t>https://www.elrepo.org/RPM-GPG-KEY-elrepo.org</a:t>
+            </a:r>
+            <a:endParaRPr lang="zh-CN" altLang="zh-CN" dirty="0"/>
+          </a:p>
+          <a:p>
+            <a:pPr marL="0" indent="0">
+              <a:buNone/>
+            </a:pPr>
+            <a:r>
+              <a:rPr lang="zh-CN" altLang="zh-CN" dirty="0"/>
+              <a:t># 安装ELRepo</a:t>
+            </a:r>
+          </a:p>
+          <a:p>
+            <a:pPr marL="0" indent="0">
+              <a:buNone/>
+            </a:pPr>
+            <a:r>
+              <a:rPr lang="zh-CN" altLang="zh-CN" dirty="0"/>
+              <a:t>[root@test ~]# rpm -Uvh </a:t>
+            </a:r>
+            <a:r>
+              <a:rPr lang="zh-CN" altLang="zh-CN" dirty="0">
+                <a:hlinkClick r:id="rId3"/>
+              </a:rPr>
+              <a:t>http://www.elrepo.org/elrepo-release-7.0-3.el7.elrepo.noarch.rpm</a:t>
+            </a:r>
+            <a:endParaRPr lang="zh-CN" altLang="zh-CN" dirty="0"/>
+          </a:p>
+          <a:p>
+            <a:pPr marL="0" indent="0">
+              <a:buNone/>
+            </a:pPr>
+            <a:r>
+              <a:rPr lang="zh-CN" altLang="zh-CN" dirty="0"/>
+              <a:t># 载入elrepo-kernel元数据</a:t>
+            </a:r>
+          </a:p>
+          <a:p>
+            <a:pPr marL="0" indent="0">
+              <a:buNone/>
+            </a:pPr>
+            <a:r>
+              <a:rPr lang="zh-CN" altLang="zh-CN" dirty="0"/>
+              <a:t>[root@test ~]# yum --disablerepo=\* --enablerepo=elrepo-kernel repolist</a:t>
+            </a:r>
+          </a:p>
+          <a:p>
+            <a:pPr marL="0" indent="0">
+              <a:buNone/>
+            </a:pPr>
+            <a:r>
+              <a:rPr lang="zh-CN" altLang="zh-CN" dirty="0"/>
+              <a:t># 安装最新版本的kernel</a:t>
+            </a:r>
+          </a:p>
+          <a:p>
+            <a:pPr marL="0" indent="0">
+              <a:buNone/>
+            </a:pPr>
+            <a:r>
+              <a:rPr lang="zh-CN" altLang="zh-CN" dirty="0"/>
+              <a:t>[root@test ~]# yum --disablerepo=\* --enablerepo=elrepo-kernel install -y kernel-ml.x86_64</a:t>
+            </a:r>
+          </a:p>
+          <a:p>
+            <a:pPr marL="0" indent="0">
+              <a:buNone/>
+            </a:pPr>
+            <a:endParaRPr lang="zh-CN" altLang="en-US" dirty="0"/>
+          </a:p>
+        </p:txBody>
+      </p:sp>
+    </p:spTree>
+    <p:extLst>
+      <p:ext uri="{BB962C8B-B14F-4D97-AF65-F5344CB8AC3E}">
+        <p14:creationId xmlns:p14="http://schemas.microsoft.com/office/powerpoint/2010/main" val="1942364999"/>
       </p:ext>
     </p:extLst>
   </p:cSld>
